--- a/Week_2_Algorithm/Project_2.pptx
+++ b/Week_2_Algorithm/Project_2.pptx
@@ -2986,7 +2986,7 @@
         </p:blipFill>
         <p:spPr>
           <a:xfrm>
-            <a:off x="857250" y="309562"/>
+            <a:off x="781050" y="842962"/>
             <a:ext cx="10477500" cy="6238875"/>
           </a:xfrm>
           <a:prstGeom prst="rect">
@@ -2994,6 +2994,92 @@
           </a:prstGeom>
         </p:spPr>
       </p:pic>
+      <p:sp>
+        <p:nvSpPr>
+          <p:cNvPr id="5" name="TextBox 4"/>
+          <p:cNvSpPr txBox="1"/>
+          <p:nvPr/>
+        </p:nvSpPr>
+        <p:spPr>
+          <a:xfrm>
+            <a:off x="901700" y="177800"/>
+            <a:ext cx="4229100" cy="369332"/>
+          </a:xfrm>
+          <a:prstGeom prst="rect">
+            <a:avLst/>
+          </a:prstGeom>
+        </p:spPr>
+        <p:style>
+          <a:lnRef idx="2">
+            <a:schemeClr val="accent1"/>
+          </a:lnRef>
+          <a:fillRef idx="1">
+            <a:schemeClr val="lt1"/>
+          </a:fillRef>
+          <a:effectRef idx="0">
+            <a:schemeClr val="accent1"/>
+          </a:effectRef>
+          <a:fontRef idx="minor">
+            <a:schemeClr val="dk1"/>
+          </a:fontRef>
+        </p:style>
+        <p:txBody>
+          <a:bodyPr wrap="square" rtlCol="0">
+            <a:spAutoFit/>
+          </a:bodyPr>
+          <a:lstStyle/>
+          <a:p>
+            <a:r>
+              <a:rPr lang="en-GB" u="sng" dirty="0" smtClean="0"/>
+              <a:t>EMPLOYEE CHECKER</a:t>
+            </a:r>
+            <a:endParaRPr lang="en-US" u="sng" dirty="0"/>
+          </a:p>
+        </p:txBody>
+      </p:sp>
+      <p:sp>
+        <p:nvSpPr>
+          <p:cNvPr id="6" name="TextBox 5"/>
+          <p:cNvSpPr txBox="1"/>
+          <p:nvPr/>
+        </p:nvSpPr>
+        <p:spPr>
+          <a:xfrm>
+            <a:off x="1397000" y="842962"/>
+            <a:ext cx="2438400" cy="369332"/>
+          </a:xfrm>
+          <a:prstGeom prst="rect">
+            <a:avLst/>
+          </a:prstGeom>
+        </p:spPr>
+        <p:style>
+          <a:lnRef idx="2">
+            <a:schemeClr val="accent1"/>
+          </a:lnRef>
+          <a:fillRef idx="1">
+            <a:schemeClr val="lt1"/>
+          </a:fillRef>
+          <a:effectRef idx="0">
+            <a:schemeClr val="accent1"/>
+          </a:effectRef>
+          <a:fontRef idx="minor">
+            <a:schemeClr val="dk1"/>
+          </a:fontRef>
+        </p:style>
+        <p:txBody>
+          <a:bodyPr wrap="square" rtlCol="0">
+            <a:spAutoFit/>
+          </a:bodyPr>
+          <a:lstStyle/>
+          <a:p>
+            <a:r>
+              <a:rPr lang="en-GB" u="sng" dirty="0" smtClean="0"/>
+              <a:t>Flowchart</a:t>
+            </a:r>
+            <a:endParaRPr lang="en-US" u="sng" dirty="0"/>
+          </a:p>
+        </p:txBody>
+      </p:sp>
     </p:spTree>
     <p:extLst>
       <p:ext uri="{BB962C8B-B14F-4D97-AF65-F5344CB8AC3E}">

--- a/Week_2_Algorithm/Project_2.pptx
+++ b/Week_2_Algorithm/Project_2.pptx
@@ -6,6 +6,7 @@
   </p:sldMasterIdLst>
   <p:sldIdLst>
     <p:sldId id="256" r:id="rId2"/>
+    <p:sldId id="257" r:id="rId3"/>
   </p:sldIdLst>
   <p:sldSz cx="12192000" cy="6858000"/>
   <p:notesSz cx="6858000" cy="9144000"/>
@@ -2964,36 +2965,6 @@
           <a:chExt cx="0" cy="0"/>
         </a:xfrm>
       </p:grpSpPr>
-      <p:pic>
-        <p:nvPicPr>
-          <p:cNvPr id="4" name="Picture 3"/>
-          <p:cNvPicPr>
-            <a:picLocks noChangeAspect="1"/>
-          </p:cNvPicPr>
-          <p:nvPr/>
-        </p:nvPicPr>
-        <p:blipFill>
-          <a:blip r:embed="rId2">
-            <a:extLst>
-              <a:ext uri="{28A0092B-C50C-407E-A947-70E740481C1C}">
-                <a14:useLocalDpi xmlns:a14="http://schemas.microsoft.com/office/drawing/2010/main" val="0"/>
-              </a:ext>
-            </a:extLst>
-          </a:blip>
-          <a:stretch>
-            <a:fillRect/>
-          </a:stretch>
-        </p:blipFill>
-        <p:spPr>
-          <a:xfrm>
-            <a:off x="781050" y="842962"/>
-            <a:ext cx="10477500" cy="6238875"/>
-          </a:xfrm>
-          <a:prstGeom prst="rect">
-            <a:avLst/>
-          </a:prstGeom>
-        </p:spPr>
-      </p:pic>
       <p:sp>
         <p:nvSpPr>
           <p:cNvPr id="5" name="TextBox 4"/>
@@ -3080,10 +3051,199 @@
           </a:p>
         </p:txBody>
       </p:sp>
+      <p:pic>
+        <p:nvPicPr>
+          <p:cNvPr id="8" name="Picture 7"/>
+          <p:cNvPicPr>
+            <a:picLocks noChangeAspect="1"/>
+          </p:cNvPicPr>
+          <p:nvPr/>
+        </p:nvPicPr>
+        <p:blipFill>
+          <a:blip r:embed="rId2">
+            <a:extLst>
+              <a:ext uri="{28A0092B-C50C-407E-A947-70E740481C1C}">
+                <a14:useLocalDpi xmlns:a14="http://schemas.microsoft.com/office/drawing/2010/main" val="0"/>
+              </a:ext>
+            </a:extLst>
+          </a:blip>
+          <a:stretch>
+            <a:fillRect/>
+          </a:stretch>
+        </p:blipFill>
+        <p:spPr>
+          <a:xfrm>
+            <a:off x="88900" y="547132"/>
+            <a:ext cx="12192000" cy="5786783"/>
+          </a:xfrm>
+          <a:prstGeom prst="rect">
+            <a:avLst/>
+          </a:prstGeom>
+        </p:spPr>
+      </p:pic>
     </p:spTree>
     <p:extLst>
       <p:ext uri="{BB962C8B-B14F-4D97-AF65-F5344CB8AC3E}">
         <p14:creationId xmlns:p14="http://schemas.microsoft.com/office/powerpoint/2010/main" val="3803087226"/>
+      </p:ext>
+    </p:extLst>
+  </p:cSld>
+  <p:clrMapOvr>
+    <a:masterClrMapping/>
+  </p:clrMapOvr>
+</p:sld>
+</file>
+
+<file path=ppt/slides/slide2.xml><?xml version="1.0" encoding="utf-8"?>
+<p:sld xmlns:a="http://schemas.openxmlformats.org/drawingml/2006/main" xmlns:r="http://schemas.openxmlformats.org/officeDocument/2006/relationships" xmlns:p="http://schemas.openxmlformats.org/presentationml/2006/main">
+  <p:cSld>
+    <p:spTree>
+      <p:nvGrpSpPr>
+        <p:cNvPr id="1" name=""/>
+        <p:cNvGrpSpPr/>
+        <p:nvPr/>
+      </p:nvGrpSpPr>
+      <p:grpSpPr>
+        <a:xfrm>
+          <a:off x="0" y="0"/>
+          <a:ext cx="0" cy="0"/>
+          <a:chOff x="0" y="0"/>
+          <a:chExt cx="0" cy="0"/>
+        </a:xfrm>
+      </p:grpSpPr>
+      <p:sp>
+        <p:nvSpPr>
+          <p:cNvPr id="2" name="TextBox 1"/>
+          <p:cNvSpPr txBox="1"/>
+          <p:nvPr/>
+        </p:nvSpPr>
+        <p:spPr>
+          <a:xfrm>
+            <a:off x="381000" y="266700"/>
+            <a:ext cx="1409700" cy="369332"/>
+          </a:xfrm>
+          <a:prstGeom prst="rect">
+            <a:avLst/>
+          </a:prstGeom>
+        </p:spPr>
+        <p:style>
+          <a:lnRef idx="2">
+            <a:schemeClr val="accent1"/>
+          </a:lnRef>
+          <a:fillRef idx="1">
+            <a:schemeClr val="lt1"/>
+          </a:fillRef>
+          <a:effectRef idx="0">
+            <a:schemeClr val="accent1"/>
+          </a:effectRef>
+          <a:fontRef idx="minor">
+            <a:schemeClr val="dk1"/>
+          </a:fontRef>
+        </p:style>
+        <p:txBody>
+          <a:bodyPr wrap="square" rtlCol="0">
+            <a:spAutoFit/>
+          </a:bodyPr>
+          <a:lstStyle/>
+          <a:p>
+            <a:r>
+              <a:rPr lang="en-GB" u="sng" dirty="0" smtClean="0"/>
+              <a:t>Pseudo code</a:t>
+            </a:r>
+            <a:endParaRPr lang="en-US" u="sng" dirty="0"/>
+          </a:p>
+        </p:txBody>
+      </p:sp>
+      <p:sp>
+        <p:nvSpPr>
+          <p:cNvPr id="4" name="TextBox 3"/>
+          <p:cNvSpPr txBox="1"/>
+          <p:nvPr/>
+        </p:nvSpPr>
+        <p:spPr>
+          <a:xfrm>
+            <a:off x="381000" y="1003300"/>
+            <a:ext cx="6819900" cy="2585323"/>
+          </a:xfrm>
+          <a:prstGeom prst="rect">
+            <a:avLst/>
+          </a:prstGeom>
+          <a:noFill/>
+        </p:spPr>
+        <p:txBody>
+          <a:bodyPr wrap="square" rtlCol="0">
+            <a:spAutoFit/>
+          </a:bodyPr>
+          <a:lstStyle/>
+          <a:p>
+            <a:r>
+              <a:rPr lang="en-GB" dirty="0" smtClean="0"/>
+              <a:t>BEGIN</a:t>
+            </a:r>
+          </a:p>
+          <a:p>
+            <a:r>
+              <a:rPr lang="en-GB" dirty="0" smtClean="0"/>
+              <a:t>INPUT Username</a:t>
+            </a:r>
+          </a:p>
+          <a:p>
+            <a:r>
+              <a:rPr lang="en-GB" dirty="0" smtClean="0"/>
+              <a:t>GET employee list</a:t>
+            </a:r>
+          </a:p>
+          <a:p>
+            <a:r>
+              <a:rPr lang="en-GB" dirty="0" smtClean="0"/>
+              <a:t>CHECK employee list for Username</a:t>
+            </a:r>
+          </a:p>
+          <a:p>
+            <a:r>
+              <a:rPr lang="en-GB" dirty="0" smtClean="0"/>
+              <a:t>IF Username in employee list</a:t>
+            </a:r>
+          </a:p>
+          <a:p>
+            <a:r>
+              <a:rPr lang="en-GB" dirty="0"/>
+              <a:t>	</a:t>
+            </a:r>
+            <a:r>
+              <a:rPr lang="en-GB" dirty="0" smtClean="0"/>
+              <a:t>THEN PRINT “Welcome valued employee”</a:t>
+            </a:r>
+          </a:p>
+          <a:p>
+            <a:r>
+              <a:rPr lang="en-GB" dirty="0" smtClean="0"/>
+              <a:t>ELSE PRINT “You are not a member of this business”</a:t>
+            </a:r>
+          </a:p>
+          <a:p>
+            <a:r>
+              <a:rPr lang="en-GB" dirty="0"/>
+              <a:t>	</a:t>
+            </a:r>
+            <a:r>
+              <a:rPr lang="en-GB" dirty="0" smtClean="0"/>
+              <a:t>PRINT “Please LEAVE”</a:t>
+            </a:r>
+          </a:p>
+          <a:p>
+            <a:r>
+              <a:rPr lang="en-GB" dirty="0" smtClean="0"/>
+              <a:t>END</a:t>
+            </a:r>
+            <a:endParaRPr lang="en-US" dirty="0"/>
+          </a:p>
+        </p:txBody>
+      </p:sp>
+    </p:spTree>
+    <p:extLst>
+      <p:ext uri="{BB962C8B-B14F-4D97-AF65-F5344CB8AC3E}">
+        <p14:creationId xmlns:p14="http://schemas.microsoft.com/office/powerpoint/2010/main" val="2509020196"/>
       </p:ext>
     </p:extLst>
   </p:cSld>
